--- a/files/HotSDN14_CoHypervisor_slides.pptx
+++ b/files/HotSDN14_CoHypervisor_slides.pptx
@@ -5,10 +5,10 @@
     <p:sldMasterId id="2147483648" r:id="rId1"/>
   </p:sldMasterIdLst>
   <p:notesMasterIdLst>
-    <p:notesMasterId r:id="rId29"/>
+    <p:notesMasterId r:id="rId28"/>
   </p:notesMasterIdLst>
   <p:handoutMasterIdLst>
-    <p:handoutMasterId r:id="rId30"/>
+    <p:handoutMasterId r:id="rId29"/>
   </p:handoutMasterIdLst>
   <p:sldIdLst>
     <p:sldId id="256" r:id="rId2"/>
@@ -37,7 +37,6 @@
     <p:sldId id="260" r:id="rId25"/>
     <p:sldId id="257" r:id="rId26"/>
     <p:sldId id="258" r:id="rId27"/>
-    <p:sldId id="312" r:id="rId28"/>
   </p:sldIdLst>
   <p:sldSz cx="9144000" cy="6858000" type="screen4x3"/>
   <p:notesSz cx="6858000" cy="9144000"/>
@@ -22021,544 +22020,6 @@
     <p:extLst>
       <p:ext uri="{BB962C8B-B14F-4D97-AF65-F5344CB8AC3E}">
         <p14:creationId xmlns:p14="http://schemas.microsoft.com/office/powerpoint/2010/main" val="3153035416"/>
-      </p:ext>
-    </p:extLst>
-  </p:cSld>
-  <p:clrMapOvr>
-    <a:masterClrMapping/>
-  </p:clrMapOvr>
-  <p:timing>
-    <p:tnLst>
-      <p:par>
-        <p:cTn xmlns:p14="http://schemas.microsoft.com/office/powerpoint/2010/main" id="1" dur="indefinite" restart="never" nodeType="tmRoot"/>
-      </p:par>
-    </p:tnLst>
-  </p:timing>
-</p:sld>
-</file>
-
-<file path=ppt/slides/slide27.xml><?xml version="1.0" encoding="utf-8"?>
-<p:sld xmlns:a="http://schemas.openxmlformats.org/drawingml/2006/main" xmlns:r="http://schemas.openxmlformats.org/officeDocument/2006/relationships" xmlns:p="http://schemas.openxmlformats.org/presentationml/2006/main">
-  <p:cSld>
-    <p:spTree>
-      <p:nvGrpSpPr>
-        <p:cNvPr id="1" name=""/>
-        <p:cNvGrpSpPr/>
-        <p:nvPr/>
-      </p:nvGrpSpPr>
-      <p:grpSpPr>
-        <a:xfrm>
-          <a:off x="0" y="0"/>
-          <a:ext cx="0" cy="0"/>
-          <a:chOff x="0" y="0"/>
-          <a:chExt cx="0" cy="0"/>
-        </a:xfrm>
-      </p:grpSpPr>
-      <p:pic>
-        <p:nvPicPr>
-          <p:cNvPr id="3" name="Picture 2"/>
-          <p:cNvPicPr>
-            <a:picLocks noChangeAspect="1"/>
-          </p:cNvPicPr>
-          <p:nvPr/>
-        </p:nvPicPr>
-        <p:blipFill>
-          <a:blip r:embed="rId2"/>
-          <a:stretch>
-            <a:fillRect/>
-          </a:stretch>
-        </p:blipFill>
-        <p:spPr>
-          <a:xfrm>
-            <a:off x="382111" y="2860722"/>
-            <a:ext cx="1930400" cy="952500"/>
-          </a:xfrm>
-          <a:prstGeom prst="rect">
-            <a:avLst/>
-          </a:prstGeom>
-        </p:spPr>
-      </p:pic>
-      <p:sp>
-        <p:nvSpPr>
-          <p:cNvPr id="2" name="Title 1"/>
-          <p:cNvSpPr>
-            <a:spLocks noGrp="1"/>
-          </p:cNvSpPr>
-          <p:nvPr>
-            <p:ph type="title"/>
-          </p:nvPr>
-        </p:nvSpPr>
-        <p:spPr/>
-        <p:txBody>
-          <a:bodyPr/>
-          <a:lstStyle/>
-          <a:p>
-            <a:r>
-              <a:rPr lang="en-US" dirty="0"/>
-              <a:t>Software-Defined Networks</a:t>
-            </a:r>
-          </a:p>
-        </p:txBody>
-      </p:sp>
-      <p:sp>
-        <p:nvSpPr>
-          <p:cNvPr id="4" name="Slide Number Placeholder 3"/>
-          <p:cNvSpPr>
-            <a:spLocks noGrp="1"/>
-          </p:cNvSpPr>
-          <p:nvPr>
-            <p:ph type="sldNum" sz="quarter" idx="12"/>
-          </p:nvPr>
-        </p:nvSpPr>
-        <p:spPr/>
-        <p:txBody>
-          <a:bodyPr/>
-          <a:lstStyle/>
-          <a:p>
-            <a:fld id="{0F785FAE-6F62-EC4D-AE94-0A78A51ED6C7}" type="slidenum">
-              <a:rPr lang="en-US" smtClean="0"/>
-              <a:t>26</a:t>
-            </a:fld>
-            <a:endParaRPr lang="en-US"/>
-          </a:p>
-        </p:txBody>
-      </p:sp>
-      <p:pic>
-        <p:nvPicPr>
-          <p:cNvPr id="5" name="Picture 4"/>
-          <p:cNvPicPr>
-            <a:picLocks noChangeAspect="1"/>
-          </p:cNvPicPr>
-          <p:nvPr/>
-        </p:nvPicPr>
-        <p:blipFill>
-          <a:blip r:embed="rId3"/>
-          <a:stretch>
-            <a:fillRect/>
-          </a:stretch>
-        </p:blipFill>
-        <p:spPr>
-          <a:xfrm>
-            <a:off x="595023" y="1965545"/>
-            <a:ext cx="1364768" cy="745235"/>
-          </a:xfrm>
-          <a:prstGeom prst="rect">
-            <a:avLst/>
-          </a:prstGeom>
-        </p:spPr>
-      </p:pic>
-      <p:pic>
-        <p:nvPicPr>
-          <p:cNvPr id="6" name="Picture 5"/>
-          <p:cNvPicPr>
-            <a:picLocks noChangeAspect="1"/>
-          </p:cNvPicPr>
-          <p:nvPr/>
-        </p:nvPicPr>
-        <p:blipFill>
-          <a:blip r:embed="rId4"/>
-          <a:stretch>
-            <a:fillRect/>
-          </a:stretch>
-        </p:blipFill>
-        <p:spPr>
-          <a:xfrm>
-            <a:off x="2218056" y="2584089"/>
-            <a:ext cx="1825775" cy="553265"/>
-          </a:xfrm>
-          <a:prstGeom prst="rect">
-            <a:avLst/>
-          </a:prstGeom>
-        </p:spPr>
-      </p:pic>
-      <p:pic>
-        <p:nvPicPr>
-          <p:cNvPr id="7" name="Picture 6"/>
-          <p:cNvPicPr>
-            <a:picLocks noChangeAspect="1"/>
-          </p:cNvPicPr>
-          <p:nvPr/>
-        </p:nvPicPr>
-        <p:blipFill>
-          <a:blip r:embed="rId5"/>
-          <a:stretch>
-            <a:fillRect/>
-          </a:stretch>
-        </p:blipFill>
-        <p:spPr>
-          <a:xfrm>
-            <a:off x="362745" y="3763145"/>
-            <a:ext cx="1855311" cy="921821"/>
-          </a:xfrm>
-          <a:prstGeom prst="rect">
-            <a:avLst/>
-          </a:prstGeom>
-        </p:spPr>
-      </p:pic>
-      <p:pic>
-        <p:nvPicPr>
-          <p:cNvPr id="8" name="Picture 7"/>
-          <p:cNvPicPr>
-            <a:picLocks noChangeAspect="1"/>
-          </p:cNvPicPr>
-          <p:nvPr/>
-        </p:nvPicPr>
-        <p:blipFill>
-          <a:blip r:embed="rId6"/>
-          <a:stretch>
-            <a:fillRect/>
-          </a:stretch>
-        </p:blipFill>
-        <p:spPr>
-          <a:xfrm>
-            <a:off x="452229" y="4862514"/>
-            <a:ext cx="1717288" cy="643983"/>
-          </a:xfrm>
-          <a:prstGeom prst="rect">
-            <a:avLst/>
-          </a:prstGeom>
-        </p:spPr>
-      </p:pic>
-      <p:pic>
-        <p:nvPicPr>
-          <p:cNvPr id="9" name="Picture 8"/>
-          <p:cNvPicPr>
-            <a:picLocks noChangeAspect="1"/>
-          </p:cNvPicPr>
-          <p:nvPr/>
-        </p:nvPicPr>
-        <p:blipFill>
-          <a:blip r:embed="rId7"/>
-          <a:stretch>
-            <a:fillRect/>
-          </a:stretch>
-        </p:blipFill>
-        <p:spPr>
-          <a:xfrm>
-            <a:off x="5565611" y="2351888"/>
-            <a:ext cx="2392291" cy="575825"/>
-          </a:xfrm>
-          <a:prstGeom prst="rect">
-            <a:avLst/>
-          </a:prstGeom>
-        </p:spPr>
-      </p:pic>
-      <p:pic>
-        <p:nvPicPr>
-          <p:cNvPr id="10" name="Picture 9"/>
-          <p:cNvPicPr>
-            <a:picLocks noChangeAspect="1"/>
-          </p:cNvPicPr>
-          <p:nvPr/>
-        </p:nvPicPr>
-        <p:blipFill>
-          <a:blip r:embed="rId8"/>
-          <a:stretch>
-            <a:fillRect/>
-          </a:stretch>
-        </p:blipFill>
-        <p:spPr>
-          <a:xfrm>
-            <a:off x="2581035" y="3763145"/>
-            <a:ext cx="1192045" cy="789635"/>
-          </a:xfrm>
-          <a:prstGeom prst="rect">
-            <a:avLst/>
-          </a:prstGeom>
-        </p:spPr>
-      </p:pic>
-      <p:pic>
-        <p:nvPicPr>
-          <p:cNvPr id="11" name="Picture 10"/>
-          <p:cNvPicPr>
-            <a:picLocks noChangeAspect="1"/>
-          </p:cNvPicPr>
-          <p:nvPr/>
-        </p:nvPicPr>
-        <p:blipFill>
-          <a:blip r:embed="rId9"/>
-          <a:stretch>
-            <a:fillRect/>
-          </a:stretch>
-        </p:blipFill>
-        <p:spPr>
-          <a:xfrm>
-            <a:off x="4028552" y="3083630"/>
-            <a:ext cx="2171808" cy="729592"/>
-          </a:xfrm>
-          <a:prstGeom prst="rect">
-            <a:avLst/>
-          </a:prstGeom>
-        </p:spPr>
-      </p:pic>
-      <p:pic>
-        <p:nvPicPr>
-          <p:cNvPr id="12" name="Picture 11"/>
-          <p:cNvPicPr>
-            <a:picLocks noChangeAspect="1"/>
-          </p:cNvPicPr>
-          <p:nvPr/>
-        </p:nvPicPr>
-        <p:blipFill>
-          <a:blip r:embed="rId10"/>
-          <a:stretch>
-            <a:fillRect/>
-          </a:stretch>
-        </p:blipFill>
-        <p:spPr>
-          <a:xfrm>
-            <a:off x="2663688" y="5096274"/>
-            <a:ext cx="2042760" cy="543287"/>
-          </a:xfrm>
-          <a:prstGeom prst="rect">
-            <a:avLst/>
-          </a:prstGeom>
-        </p:spPr>
-      </p:pic>
-      <p:pic>
-        <p:nvPicPr>
-          <p:cNvPr id="13" name="Picture 12"/>
-          <p:cNvPicPr>
-            <a:picLocks noChangeAspect="1"/>
-          </p:cNvPicPr>
-          <p:nvPr/>
-        </p:nvPicPr>
-        <p:blipFill>
-          <a:blip r:embed="rId11"/>
-          <a:stretch>
-            <a:fillRect/>
-          </a:stretch>
-        </p:blipFill>
-        <p:spPr>
-          <a:xfrm>
-            <a:off x="4600734" y="5737069"/>
-            <a:ext cx="1692002" cy="650770"/>
-          </a:xfrm>
-          <a:prstGeom prst="rect">
-            <a:avLst/>
-          </a:prstGeom>
-        </p:spPr>
-      </p:pic>
-      <p:pic>
-        <p:nvPicPr>
-          <p:cNvPr id="14" name="Picture 13"/>
-          <p:cNvPicPr>
-            <a:picLocks noChangeAspect="1"/>
-          </p:cNvPicPr>
-          <p:nvPr/>
-        </p:nvPicPr>
-        <p:blipFill>
-          <a:blip r:embed="rId12"/>
-          <a:stretch>
-            <a:fillRect/>
-          </a:stretch>
-        </p:blipFill>
-        <p:spPr>
-          <a:xfrm>
-            <a:off x="239117" y="5601873"/>
-            <a:ext cx="1930400" cy="952500"/>
-          </a:xfrm>
-          <a:prstGeom prst="rect">
-            <a:avLst/>
-          </a:prstGeom>
-        </p:spPr>
-      </p:pic>
-      <p:pic>
-        <p:nvPicPr>
-          <p:cNvPr id="15" name="Picture 14"/>
-          <p:cNvPicPr>
-            <a:picLocks noChangeAspect="1"/>
-          </p:cNvPicPr>
-          <p:nvPr/>
-        </p:nvPicPr>
-        <p:blipFill>
-          <a:blip r:embed="rId13"/>
-          <a:stretch>
-            <a:fillRect/>
-          </a:stretch>
-        </p:blipFill>
-        <p:spPr>
-          <a:xfrm>
-            <a:off x="6376698" y="3497993"/>
-            <a:ext cx="2310102" cy="794675"/>
-          </a:xfrm>
-          <a:prstGeom prst="rect">
-            <a:avLst/>
-          </a:prstGeom>
-        </p:spPr>
-      </p:pic>
-      <p:pic>
-        <p:nvPicPr>
-          <p:cNvPr id="16" name="Picture 15"/>
-          <p:cNvPicPr>
-            <a:picLocks noChangeAspect="1"/>
-          </p:cNvPicPr>
-          <p:nvPr/>
-        </p:nvPicPr>
-        <p:blipFill>
-          <a:blip r:embed="rId14"/>
-          <a:stretch>
-            <a:fillRect/>
-          </a:stretch>
-        </p:blipFill>
-        <p:spPr>
-          <a:xfrm>
-            <a:off x="6890755" y="5639561"/>
-            <a:ext cx="934290" cy="926875"/>
-          </a:xfrm>
-          <a:prstGeom prst="rect">
-            <a:avLst/>
-          </a:prstGeom>
-        </p:spPr>
-      </p:pic>
-      <p:pic>
-        <p:nvPicPr>
-          <p:cNvPr id="17" name="Picture 16"/>
-          <p:cNvPicPr>
-            <a:picLocks noChangeAspect="1"/>
-          </p:cNvPicPr>
-          <p:nvPr/>
-        </p:nvPicPr>
-        <p:blipFill>
-          <a:blip r:embed="rId15"/>
-          <a:stretch>
-            <a:fillRect/>
-          </a:stretch>
-        </p:blipFill>
-        <p:spPr>
-          <a:xfrm>
-            <a:off x="2940253" y="1599759"/>
-            <a:ext cx="2323897" cy="562472"/>
-          </a:xfrm>
-          <a:prstGeom prst="rect">
-            <a:avLst/>
-          </a:prstGeom>
-        </p:spPr>
-      </p:pic>
-      <p:pic>
-        <p:nvPicPr>
-          <p:cNvPr id="18" name="Picture 17"/>
-          <p:cNvPicPr>
-            <a:picLocks noChangeAspect="1"/>
-          </p:cNvPicPr>
-          <p:nvPr/>
-        </p:nvPicPr>
-        <p:blipFill>
-          <a:blip r:embed="rId16"/>
-          <a:stretch>
-            <a:fillRect/>
-          </a:stretch>
-        </p:blipFill>
-        <p:spPr>
-          <a:xfrm>
-            <a:off x="4267200" y="4100514"/>
-            <a:ext cx="2286000" cy="762000"/>
-          </a:xfrm>
-          <a:prstGeom prst="rect">
-            <a:avLst/>
-          </a:prstGeom>
-        </p:spPr>
-      </p:pic>
-      <p:pic>
-        <p:nvPicPr>
-          <p:cNvPr id="19" name="Picture 18"/>
-          <p:cNvPicPr>
-            <a:picLocks noChangeAspect="1"/>
-          </p:cNvPicPr>
-          <p:nvPr/>
-        </p:nvPicPr>
-        <p:blipFill>
-          <a:blip r:embed="rId17"/>
-          <a:stretch>
-            <a:fillRect/>
-          </a:stretch>
-        </p:blipFill>
-        <p:spPr>
-          <a:xfrm>
-            <a:off x="2581035" y="6120910"/>
-            <a:ext cx="1654697" cy="514611"/>
-          </a:xfrm>
-          <a:prstGeom prst="rect">
-            <a:avLst/>
-          </a:prstGeom>
-        </p:spPr>
-      </p:pic>
-      <p:pic>
-        <p:nvPicPr>
-          <p:cNvPr id="20" name="Picture 19"/>
-          <p:cNvPicPr>
-            <a:picLocks noChangeAspect="1"/>
-          </p:cNvPicPr>
-          <p:nvPr/>
-        </p:nvPicPr>
-        <p:blipFill>
-          <a:blip r:embed="rId18"/>
-          <a:stretch>
-            <a:fillRect/>
-          </a:stretch>
-        </p:blipFill>
-        <p:spPr>
-          <a:xfrm>
-            <a:off x="6761757" y="1399388"/>
-            <a:ext cx="1930400" cy="952500"/>
-          </a:xfrm>
-          <a:prstGeom prst="rect">
-            <a:avLst/>
-          </a:prstGeom>
-        </p:spPr>
-      </p:pic>
-      <p:pic>
-        <p:nvPicPr>
-          <p:cNvPr id="21" name="Picture 20"/>
-          <p:cNvPicPr>
-            <a:picLocks noChangeAspect="1"/>
-          </p:cNvPicPr>
-          <p:nvPr/>
-        </p:nvPicPr>
-        <p:blipFill>
-          <a:blip r:embed="rId19"/>
-          <a:stretch>
-            <a:fillRect/>
-          </a:stretch>
-        </p:blipFill>
-        <p:spPr>
-          <a:xfrm>
-            <a:off x="6376698" y="4552780"/>
-            <a:ext cx="2527018" cy="497645"/>
-          </a:xfrm>
-          <a:prstGeom prst="rect">
-            <a:avLst/>
-          </a:prstGeom>
-        </p:spPr>
-      </p:pic>
-      <p:pic>
-        <p:nvPicPr>
-          <p:cNvPr id="22" name="Picture 21"/>
-          <p:cNvPicPr>
-            <a:picLocks noChangeAspect="1"/>
-          </p:cNvPicPr>
-          <p:nvPr/>
-        </p:nvPicPr>
-        <p:blipFill>
-          <a:blip r:embed="rId20"/>
-          <a:stretch>
-            <a:fillRect/>
-          </a:stretch>
-        </p:blipFill>
-        <p:spPr>
-          <a:xfrm>
-            <a:off x="5161123" y="5004119"/>
-            <a:ext cx="1600634" cy="800317"/>
-          </a:xfrm>
-          <a:prstGeom prst="rect">
-            <a:avLst/>
-          </a:prstGeom>
-        </p:spPr>
-      </p:pic>
-    </p:spTree>
-    <p:extLst>
-      <p:ext uri="{BB962C8B-B14F-4D97-AF65-F5344CB8AC3E}">
-        <p14:creationId xmlns:p14="http://schemas.microsoft.com/office/powerpoint/2010/main" val="281055455"/>
       </p:ext>
     </p:extLst>
   </p:cSld>
